--- a/Advanced topics and Data visualization.pptx
+++ b/Advanced topics and Data visualization.pptx
@@ -12,6 +12,10 @@
     <p:sldId id="260" r:id="rId6"/>
     <p:sldId id="261" r:id="rId7"/>
     <p:sldId id="262" r:id="rId8"/>
+    <p:sldId id="263" r:id="rId9"/>
+    <p:sldId id="264" r:id="rId10"/>
+    <p:sldId id="265" r:id="rId11"/>
+    <p:sldId id="266" r:id="rId12"/>
   </p:sldIdLst>
   <p:sldSz cx="12192000" cy="6858000"/>
   <p:notesSz cx="6858000" cy="9144000"/>
@@ -110,6 +114,11 @@
       </a:defRPr>
     </a:lvl9pPr>
   </p:defaultTextStyle>
+  <p:extLst>
+    <p:ext uri="{EFAFB233-063F-42B5-8137-9DF3F51BA10A}">
+      <p15:sldGuideLst xmlns:p15="http://schemas.microsoft.com/office/powerpoint/2012/main"/>
+    </p:ext>
+  </p:extLst>
 </p:presentation>
 </file>
 
@@ -170,7 +179,7 @@
           <a:noFill/>
           <a:extLst>
             <a:ext uri="{909E8E84-426E-40dd-AFC4-6F175D3DCCD1}">
-              <a14:hiddenFill xmlns:a14="http://schemas.microsoft.com/office/drawing/2010/main" xmlns="">
+              <a14:hiddenFill xmlns="" xmlns:a14="http://schemas.microsoft.com/office/drawing/2010/main">
                 <a:solidFill>
                   <a:srgbClr val="FFFFFF"/>
                 </a:solidFill>
@@ -229,7 +238,7 @@
             </a:ln>
             <a:extLst>
               <a:ext uri="{91240B29-F687-4f45-9708-019B960494DF}">
-                <a14:hiddenLine xmlns:a14="http://schemas.microsoft.com/office/drawing/2010/main" xmlns="" w="9525">
+                <a14:hiddenLine xmlns="" xmlns:a14="http://schemas.microsoft.com/office/drawing/2010/main" w="9525">
                   <a:solidFill>
                     <a:srgbClr val="000000"/>
                   </a:solidFill>
@@ -319,7 +328,7 @@
             </a:ln>
             <a:extLst>
               <a:ext uri="{91240B29-F687-4f45-9708-019B960494DF}">
-                <a14:hiddenLine xmlns:a14="http://schemas.microsoft.com/office/drawing/2010/main" xmlns="" w="9525">
+                <a14:hiddenLine xmlns="" xmlns:a14="http://schemas.microsoft.com/office/drawing/2010/main" w="9525">
                   <a:solidFill>
                     <a:srgbClr val="000000"/>
                   </a:solidFill>
@@ -409,7 +418,7 @@
             </a:ln>
             <a:extLst>
               <a:ext uri="{91240B29-F687-4f45-9708-019B960494DF}">
-                <a14:hiddenLine xmlns:a14="http://schemas.microsoft.com/office/drawing/2010/main" xmlns="" w="9525">
+                <a14:hiddenLine xmlns="" xmlns:a14="http://schemas.microsoft.com/office/drawing/2010/main" w="9525">
                   <a:solidFill>
                     <a:srgbClr val="000000"/>
                   </a:solidFill>
@@ -443,7 +452,7 @@
             </a:ln>
             <a:extLst>
               <a:ext uri="{91240B29-F687-4f45-9708-019B960494DF}">
-                <a14:hiddenLine xmlns:a14="http://schemas.microsoft.com/office/drawing/2010/main" xmlns="" w="9525">
+                <a14:hiddenLine xmlns="" xmlns:a14="http://schemas.microsoft.com/office/drawing/2010/main" w="9525">
                   <a:solidFill>
                     <a:srgbClr val="000000"/>
                   </a:solidFill>
@@ -533,7 +542,7 @@
             </a:ln>
             <a:extLst>
               <a:ext uri="{91240B29-F687-4f45-9708-019B960494DF}">
-                <a14:hiddenLine xmlns:a14="http://schemas.microsoft.com/office/drawing/2010/main" xmlns="" w="9525">
+                <a14:hiddenLine xmlns="" xmlns:a14="http://schemas.microsoft.com/office/drawing/2010/main" w="9525">
                   <a:solidFill>
                     <a:srgbClr val="000000"/>
                   </a:solidFill>
@@ -595,7 +604,7 @@
             </a:ln>
             <a:extLst>
               <a:ext uri="{91240B29-F687-4f45-9708-019B960494DF}">
-                <a14:hiddenLine xmlns:a14="http://schemas.microsoft.com/office/drawing/2010/main" xmlns="" w="9525">
+                <a14:hiddenLine xmlns="" xmlns:a14="http://schemas.microsoft.com/office/drawing/2010/main" w="9525">
                   <a:solidFill>
                     <a:srgbClr val="000000"/>
                   </a:solidFill>
@@ -657,7 +666,7 @@
             </a:ln>
             <a:extLst>
               <a:ext uri="{91240B29-F687-4f45-9708-019B960494DF}">
-                <a14:hiddenLine xmlns:a14="http://schemas.microsoft.com/office/drawing/2010/main" xmlns="" w="9525">
+                <a14:hiddenLine xmlns="" xmlns:a14="http://schemas.microsoft.com/office/drawing/2010/main" w="9525">
                   <a:solidFill>
                     <a:srgbClr val="000000"/>
                   </a:solidFill>
@@ -747,7 +756,7 @@
             </a:ln>
             <a:extLst>
               <a:ext uri="{91240B29-F687-4f45-9708-019B960494DF}">
-                <a14:hiddenLine xmlns:a14="http://schemas.microsoft.com/office/drawing/2010/main" xmlns="" w="9525">
+                <a14:hiddenLine xmlns="" xmlns:a14="http://schemas.microsoft.com/office/drawing/2010/main" w="9525">
                   <a:solidFill>
                     <a:srgbClr val="000000"/>
                   </a:solidFill>
@@ -809,7 +818,7 @@
             </a:ln>
             <a:extLst>
               <a:ext uri="{91240B29-F687-4f45-9708-019B960494DF}">
-                <a14:hiddenLine xmlns:a14="http://schemas.microsoft.com/office/drawing/2010/main" xmlns="" w="9525">
+                <a14:hiddenLine xmlns="" xmlns:a14="http://schemas.microsoft.com/office/drawing/2010/main" w="9525">
                   <a:solidFill>
                     <a:srgbClr val="000000"/>
                   </a:solidFill>
@@ -871,7 +880,7 @@
             </a:ln>
             <a:extLst>
               <a:ext uri="{91240B29-F687-4f45-9708-019B960494DF}">
-                <a14:hiddenLine xmlns:a14="http://schemas.microsoft.com/office/drawing/2010/main" xmlns="" w="9525">
+                <a14:hiddenLine xmlns="" xmlns:a14="http://schemas.microsoft.com/office/drawing/2010/main" w="9525">
                   <a:solidFill>
                     <a:srgbClr val="000000"/>
                   </a:solidFill>
@@ -961,7 +970,7 @@
             </a:ln>
             <a:extLst>
               <a:ext uri="{91240B29-F687-4f45-9708-019B960494DF}">
-                <a14:hiddenLine xmlns:a14="http://schemas.microsoft.com/office/drawing/2010/main" xmlns="" w="9525">
+                <a14:hiddenLine xmlns="" xmlns:a14="http://schemas.microsoft.com/office/drawing/2010/main" w="9525">
                   <a:solidFill>
                     <a:srgbClr val="000000"/>
                   </a:solidFill>
@@ -1051,7 +1060,7 @@
             </a:ln>
             <a:extLst>
               <a:ext uri="{91240B29-F687-4f45-9708-019B960494DF}">
-                <a14:hiddenLine xmlns:a14="http://schemas.microsoft.com/office/drawing/2010/main" xmlns="" w="9525">
+                <a14:hiddenLine xmlns="" xmlns:a14="http://schemas.microsoft.com/office/drawing/2010/main" w="9525">
                   <a:solidFill>
                     <a:srgbClr val="000000"/>
                   </a:solidFill>
@@ -1113,7 +1122,7 @@
             </a:ln>
             <a:extLst>
               <a:ext uri="{91240B29-F687-4f45-9708-019B960494DF}">
-                <a14:hiddenLine xmlns:a14="http://schemas.microsoft.com/office/drawing/2010/main" xmlns="" w="9525">
+                <a14:hiddenLine xmlns="" xmlns:a14="http://schemas.microsoft.com/office/drawing/2010/main" w="9525">
                   <a:solidFill>
                     <a:srgbClr val="000000"/>
                   </a:solidFill>
@@ -1223,7 +1232,7 @@
             </a:ln>
             <a:extLst>
               <a:ext uri="{91240B29-F687-4f45-9708-019B960494DF}">
-                <a14:hiddenLine xmlns:a14="http://schemas.microsoft.com/office/drawing/2010/main" xmlns="" w="9525">
+                <a14:hiddenLine xmlns="" xmlns:a14="http://schemas.microsoft.com/office/drawing/2010/main" w="9525">
                   <a:solidFill>
                     <a:srgbClr val="000000"/>
                   </a:solidFill>
@@ -1285,7 +1294,7 @@
             </a:ln>
             <a:extLst>
               <a:ext uri="{91240B29-F687-4f45-9708-019B960494DF}">
-                <a14:hiddenLine xmlns:a14="http://schemas.microsoft.com/office/drawing/2010/main" xmlns="" w="9525">
+                <a14:hiddenLine xmlns="" xmlns:a14="http://schemas.microsoft.com/office/drawing/2010/main" w="9525">
                   <a:solidFill>
                     <a:srgbClr val="000000"/>
                   </a:solidFill>
@@ -1375,7 +1384,7 @@
             </a:ln>
             <a:extLst>
               <a:ext uri="{91240B29-F687-4f45-9708-019B960494DF}">
-                <a14:hiddenLine xmlns:a14="http://schemas.microsoft.com/office/drawing/2010/main" xmlns="" w="9525">
+                <a14:hiddenLine xmlns="" xmlns:a14="http://schemas.microsoft.com/office/drawing/2010/main" w="9525">
                   <a:solidFill>
                     <a:srgbClr val="000000"/>
                   </a:solidFill>
@@ -1465,7 +1474,7 @@
             </a:ln>
             <a:extLst>
               <a:ext uri="{91240B29-F687-4f45-9708-019B960494DF}">
-                <a14:hiddenLine xmlns:a14="http://schemas.microsoft.com/office/drawing/2010/main" xmlns="" w="9525">
+                <a14:hiddenLine xmlns="" xmlns:a14="http://schemas.microsoft.com/office/drawing/2010/main" w="9525">
                   <a:solidFill>
                     <a:srgbClr val="000000"/>
                   </a:solidFill>
@@ -1527,7 +1536,7 @@
             </a:ln>
             <a:extLst>
               <a:ext uri="{91240B29-F687-4f45-9708-019B960494DF}">
-                <a14:hiddenLine xmlns:a14="http://schemas.microsoft.com/office/drawing/2010/main" xmlns="" w="9525">
+                <a14:hiddenLine xmlns="" xmlns:a14="http://schemas.microsoft.com/office/drawing/2010/main" w="9525">
                   <a:solidFill>
                     <a:srgbClr val="000000"/>
                   </a:solidFill>
@@ -1617,7 +1626,7 @@
             </a:ln>
             <a:extLst>
               <a:ext uri="{91240B29-F687-4f45-9708-019B960494DF}">
-                <a14:hiddenLine xmlns:a14="http://schemas.microsoft.com/office/drawing/2010/main" xmlns="" w="9525">
+                <a14:hiddenLine xmlns="" xmlns:a14="http://schemas.microsoft.com/office/drawing/2010/main" w="9525">
                   <a:solidFill>
                     <a:srgbClr val="000000"/>
                   </a:solidFill>
@@ -1707,7 +1716,7 @@
             </a:ln>
             <a:extLst>
               <a:ext uri="{91240B29-F687-4f45-9708-019B960494DF}">
-                <a14:hiddenLine xmlns:a14="http://schemas.microsoft.com/office/drawing/2010/main" xmlns="" w="9525">
+                <a14:hiddenLine xmlns="" xmlns:a14="http://schemas.microsoft.com/office/drawing/2010/main" w="9525">
                   <a:solidFill>
                     <a:srgbClr val="000000"/>
                   </a:solidFill>
@@ -1763,7 +1772,7 @@
             </a:ln>
             <a:extLst>
               <a:ext uri="{91240B29-F687-4f45-9708-019B960494DF}">
-                <a14:hiddenLine xmlns:a14="http://schemas.microsoft.com/office/drawing/2010/main" xmlns="" w="9525">
+                <a14:hiddenLine xmlns="" xmlns:a14="http://schemas.microsoft.com/office/drawing/2010/main" w="9525">
                   <a:solidFill>
                     <a:srgbClr val="000000"/>
                   </a:solidFill>
@@ -1853,7 +1862,7 @@
             </a:ln>
             <a:extLst>
               <a:ext uri="{91240B29-F687-4f45-9708-019B960494DF}">
-                <a14:hiddenLine xmlns:a14="http://schemas.microsoft.com/office/drawing/2010/main" xmlns="" w="9525">
+                <a14:hiddenLine xmlns="" xmlns:a14="http://schemas.microsoft.com/office/drawing/2010/main" w="9525">
                   <a:solidFill>
                     <a:srgbClr val="000000"/>
                   </a:solidFill>
@@ -1909,7 +1918,7 @@
             </a:ln>
             <a:extLst>
               <a:ext uri="{91240B29-F687-4f45-9708-019B960494DF}">
-                <a14:hiddenLine xmlns:a14="http://schemas.microsoft.com/office/drawing/2010/main" xmlns="" w="9525">
+                <a14:hiddenLine xmlns="" xmlns:a14="http://schemas.microsoft.com/office/drawing/2010/main" w="9525">
                   <a:solidFill>
                     <a:srgbClr val="000000"/>
                   </a:solidFill>
@@ -1999,7 +2008,7 @@
             </a:ln>
             <a:extLst>
               <a:ext uri="{91240B29-F687-4f45-9708-019B960494DF}">
-                <a14:hiddenLine xmlns:a14="http://schemas.microsoft.com/office/drawing/2010/main" xmlns="" w="9525">
+                <a14:hiddenLine xmlns="" xmlns:a14="http://schemas.microsoft.com/office/drawing/2010/main" w="9525">
                   <a:solidFill>
                     <a:srgbClr val="000000"/>
                   </a:solidFill>
@@ -2067,7 +2076,7 @@
             </a:ln>
             <a:extLst>
               <a:ext uri="{91240B29-F687-4f45-9708-019B960494DF}">
-                <a14:hiddenLine xmlns:a14="http://schemas.microsoft.com/office/drawing/2010/main" xmlns="" w="9525">
+                <a14:hiddenLine xmlns="" xmlns:a14="http://schemas.microsoft.com/office/drawing/2010/main" w="9525">
                   <a:solidFill>
                     <a:srgbClr val="000000"/>
                   </a:solidFill>
@@ -2157,7 +2166,7 @@
             </a:ln>
             <a:extLst>
               <a:ext uri="{91240B29-F687-4f45-9708-019B960494DF}">
-                <a14:hiddenLine xmlns:a14="http://schemas.microsoft.com/office/drawing/2010/main" xmlns="" w="9525">
+                <a14:hiddenLine xmlns="" xmlns:a14="http://schemas.microsoft.com/office/drawing/2010/main" w="9525">
                   <a:solidFill>
                     <a:srgbClr val="000000"/>
                   </a:solidFill>
@@ -2225,7 +2234,7 @@
             </a:ln>
             <a:extLst>
               <a:ext uri="{91240B29-F687-4f45-9708-019B960494DF}">
-                <a14:hiddenLine xmlns:a14="http://schemas.microsoft.com/office/drawing/2010/main" xmlns="" w="9525">
+                <a14:hiddenLine xmlns="" xmlns:a14="http://schemas.microsoft.com/office/drawing/2010/main" w="9525">
                   <a:solidFill>
                     <a:srgbClr val="000000"/>
                   </a:solidFill>
@@ -2315,7 +2324,7 @@
             </a:ln>
             <a:extLst>
               <a:ext uri="{91240B29-F687-4f45-9708-019B960494DF}">
-                <a14:hiddenLine xmlns:a14="http://schemas.microsoft.com/office/drawing/2010/main" xmlns="" w="9525">
+                <a14:hiddenLine xmlns="" xmlns:a14="http://schemas.microsoft.com/office/drawing/2010/main" w="9525">
                   <a:solidFill>
                     <a:srgbClr val="000000"/>
                   </a:solidFill>
@@ -2349,7 +2358,7 @@
             </a:ln>
             <a:extLst>
               <a:ext uri="{91240B29-F687-4f45-9708-019B960494DF}">
-                <a14:hiddenLine xmlns:a14="http://schemas.microsoft.com/office/drawing/2010/main" xmlns="" w="9525">
+                <a14:hiddenLine xmlns="" xmlns:a14="http://schemas.microsoft.com/office/drawing/2010/main" w="9525">
                   <a:solidFill>
                     <a:srgbClr val="000000"/>
                   </a:solidFill>
@@ -2439,7 +2448,7 @@
             </a:ln>
             <a:extLst>
               <a:ext uri="{91240B29-F687-4f45-9708-019B960494DF}">
-                <a14:hiddenLine xmlns:a14="http://schemas.microsoft.com/office/drawing/2010/main" xmlns="" w="9525">
+                <a14:hiddenLine xmlns="" xmlns:a14="http://schemas.microsoft.com/office/drawing/2010/main" w="9525">
                   <a:solidFill>
                     <a:srgbClr val="000000"/>
                   </a:solidFill>
@@ -2501,7 +2510,7 @@
             </a:ln>
             <a:extLst>
               <a:ext uri="{91240B29-F687-4f45-9708-019B960494DF}">
-                <a14:hiddenLine xmlns:a14="http://schemas.microsoft.com/office/drawing/2010/main" xmlns="" w="9525">
+                <a14:hiddenLine xmlns="" xmlns:a14="http://schemas.microsoft.com/office/drawing/2010/main" w="9525">
                   <a:solidFill>
                     <a:srgbClr val="000000"/>
                   </a:solidFill>
@@ -2563,7 +2572,7 @@
             </a:ln>
             <a:extLst>
               <a:ext uri="{91240B29-F687-4f45-9708-019B960494DF}">
-                <a14:hiddenLine xmlns:a14="http://schemas.microsoft.com/office/drawing/2010/main" xmlns="" w="9525">
+                <a14:hiddenLine xmlns="" xmlns:a14="http://schemas.microsoft.com/office/drawing/2010/main" w="9525">
                   <a:solidFill>
                     <a:srgbClr val="000000"/>
                   </a:solidFill>
@@ -2653,7 +2662,7 @@
             </a:ln>
             <a:extLst>
               <a:ext uri="{91240B29-F687-4f45-9708-019B960494DF}">
-                <a14:hiddenLine xmlns:a14="http://schemas.microsoft.com/office/drawing/2010/main" xmlns="" w="9525">
+                <a14:hiddenLine xmlns="" xmlns:a14="http://schemas.microsoft.com/office/drawing/2010/main" w="9525">
                   <a:solidFill>
                     <a:srgbClr val="000000"/>
                   </a:solidFill>
@@ -2721,7 +2730,7 @@
             </a:ln>
             <a:extLst>
               <a:ext uri="{91240B29-F687-4f45-9708-019B960494DF}">
-                <a14:hiddenLine xmlns:a14="http://schemas.microsoft.com/office/drawing/2010/main" xmlns="" w="9525">
+                <a14:hiddenLine xmlns="" xmlns:a14="http://schemas.microsoft.com/office/drawing/2010/main" w="9525">
                   <a:solidFill>
                     <a:srgbClr val="000000"/>
                   </a:solidFill>
@@ -2783,7 +2792,7 @@
             </a:ln>
             <a:extLst>
               <a:ext uri="{91240B29-F687-4f45-9708-019B960494DF}">
-                <a14:hiddenLine xmlns:a14="http://schemas.microsoft.com/office/drawing/2010/main" xmlns="" w="9525">
+                <a14:hiddenLine xmlns="" xmlns:a14="http://schemas.microsoft.com/office/drawing/2010/main" w="9525">
                   <a:solidFill>
                     <a:srgbClr val="000000"/>
                   </a:solidFill>
@@ -2873,7 +2882,7 @@
             </a:ln>
             <a:extLst>
               <a:ext uri="{91240B29-F687-4f45-9708-019B960494DF}">
-                <a14:hiddenLine xmlns:a14="http://schemas.microsoft.com/office/drawing/2010/main" xmlns="" w="9525">
+                <a14:hiddenLine xmlns="" xmlns:a14="http://schemas.microsoft.com/office/drawing/2010/main" w="9525">
                   <a:solidFill>
                     <a:srgbClr val="000000"/>
                   </a:solidFill>
@@ -2935,7 +2944,7 @@
             </a:ln>
             <a:extLst>
               <a:ext uri="{91240B29-F687-4f45-9708-019B960494DF}">
-                <a14:hiddenLine xmlns:a14="http://schemas.microsoft.com/office/drawing/2010/main" xmlns="" w="9525">
+                <a14:hiddenLine xmlns="" xmlns:a14="http://schemas.microsoft.com/office/drawing/2010/main" w="9525">
                   <a:solidFill>
                     <a:srgbClr val="000000"/>
                   </a:solidFill>
@@ -3025,7 +3034,7 @@
             </a:ln>
             <a:extLst>
               <a:ext uri="{91240B29-F687-4f45-9708-019B960494DF}">
-                <a14:hiddenLine xmlns:a14="http://schemas.microsoft.com/office/drawing/2010/main" xmlns="" w="9525">
+                <a14:hiddenLine xmlns="" xmlns:a14="http://schemas.microsoft.com/office/drawing/2010/main" w="9525">
                   <a:solidFill>
                     <a:srgbClr val="000000"/>
                   </a:solidFill>
@@ -3087,7 +3096,7 @@
             </a:ln>
             <a:extLst>
               <a:ext uri="{91240B29-F687-4f45-9708-019B960494DF}">
-                <a14:hiddenLine xmlns:a14="http://schemas.microsoft.com/office/drawing/2010/main" xmlns="" w="9525">
+                <a14:hiddenLine xmlns="" xmlns:a14="http://schemas.microsoft.com/office/drawing/2010/main" w="9525">
                   <a:solidFill>
                     <a:srgbClr val="000000"/>
                   </a:solidFill>
@@ -3177,7 +3186,7 @@
             </a:ln>
             <a:extLst>
               <a:ext uri="{91240B29-F687-4f45-9708-019B960494DF}">
-                <a14:hiddenLine xmlns:a14="http://schemas.microsoft.com/office/drawing/2010/main" xmlns="" w="9525">
+                <a14:hiddenLine xmlns="" xmlns:a14="http://schemas.microsoft.com/office/drawing/2010/main" w="9525">
                   <a:solidFill>
                     <a:srgbClr val="000000"/>
                   </a:solidFill>
@@ -3211,7 +3220,7 @@
             </a:ln>
             <a:extLst>
               <a:ext uri="{91240B29-F687-4f45-9708-019B960494DF}">
-                <a14:hiddenLine xmlns:a14="http://schemas.microsoft.com/office/drawing/2010/main" xmlns="" w="9525">
+                <a14:hiddenLine xmlns="" xmlns:a14="http://schemas.microsoft.com/office/drawing/2010/main" w="9525">
                   <a:solidFill>
                     <a:srgbClr val="000000"/>
                   </a:solidFill>
@@ -3276,7 +3285,7 @@
             </a:ln>
             <a:extLst>
               <a:ext uri="{91240B29-F687-4f45-9708-019B960494DF}">
-                <a14:hiddenLine xmlns:a14="http://schemas.microsoft.com/office/drawing/2010/main" xmlns="" w="9525">
+                <a14:hiddenLine xmlns="" xmlns:a14="http://schemas.microsoft.com/office/drawing/2010/main" w="9525">
                   <a:solidFill>
                     <a:srgbClr val="000000"/>
                   </a:solidFill>
@@ -3366,7 +3375,7 @@
             </a:ln>
             <a:extLst>
               <a:ext uri="{91240B29-F687-4f45-9708-019B960494DF}">
-                <a14:hiddenLine xmlns:a14="http://schemas.microsoft.com/office/drawing/2010/main" xmlns="" w="9525">
+                <a14:hiddenLine xmlns="" xmlns:a14="http://schemas.microsoft.com/office/drawing/2010/main" w="9525">
                   <a:solidFill>
                     <a:srgbClr val="000000"/>
                   </a:solidFill>
@@ -3428,7 +3437,7 @@
             </a:ln>
             <a:extLst>
               <a:ext uri="{91240B29-F687-4f45-9708-019B960494DF}">
-                <a14:hiddenLine xmlns:a14="http://schemas.microsoft.com/office/drawing/2010/main" xmlns="" w="9525">
+                <a14:hiddenLine xmlns="" xmlns:a14="http://schemas.microsoft.com/office/drawing/2010/main" w="9525">
                   <a:solidFill>
                     <a:srgbClr val="000000"/>
                   </a:solidFill>
@@ -3518,7 +3527,7 @@
             </a:ln>
             <a:extLst>
               <a:ext uri="{91240B29-F687-4f45-9708-019B960494DF}">
-                <a14:hiddenLine xmlns:a14="http://schemas.microsoft.com/office/drawing/2010/main" xmlns="" w="9525">
+                <a14:hiddenLine xmlns="" xmlns:a14="http://schemas.microsoft.com/office/drawing/2010/main" w="9525">
                   <a:solidFill>
                     <a:srgbClr val="000000"/>
                   </a:solidFill>
@@ -3608,7 +3617,7 @@
             </a:ln>
             <a:extLst>
               <a:ext uri="{91240B29-F687-4f45-9708-019B960494DF}">
-                <a14:hiddenLine xmlns:a14="http://schemas.microsoft.com/office/drawing/2010/main" xmlns="" w="9525">
+                <a14:hiddenLine xmlns="" xmlns:a14="http://schemas.microsoft.com/office/drawing/2010/main" w="9525">
                   <a:solidFill>
                     <a:srgbClr val="000000"/>
                   </a:solidFill>
@@ -3673,7 +3682,7 @@
             </a:ln>
             <a:extLst>
               <a:ext uri="{91240B29-F687-4f45-9708-019B960494DF}">
-                <a14:hiddenLine xmlns:a14="http://schemas.microsoft.com/office/drawing/2010/main" xmlns="" w="9525">
+                <a14:hiddenLine xmlns="" xmlns:a14="http://schemas.microsoft.com/office/drawing/2010/main" w="9525">
                   <a:solidFill>
                     <a:srgbClr val="000000"/>
                   </a:solidFill>
@@ -3735,7 +3744,7 @@
             </a:ln>
             <a:extLst>
               <a:ext uri="{91240B29-F687-4f45-9708-019B960494DF}">
-                <a14:hiddenLine xmlns:a14="http://schemas.microsoft.com/office/drawing/2010/main" xmlns="" w="9525">
+                <a14:hiddenLine xmlns="" xmlns:a14="http://schemas.microsoft.com/office/drawing/2010/main" w="9525">
                   <a:solidFill>
                     <a:srgbClr val="000000"/>
                   </a:solidFill>
@@ -3825,7 +3834,7 @@
             </a:ln>
             <a:extLst>
               <a:ext uri="{91240B29-F687-4f45-9708-019B960494DF}">
-                <a14:hiddenLine xmlns:a14="http://schemas.microsoft.com/office/drawing/2010/main" xmlns="" w="9525">
+                <a14:hiddenLine xmlns="" xmlns:a14="http://schemas.microsoft.com/office/drawing/2010/main" w="9525">
                   <a:solidFill>
                     <a:srgbClr val="000000"/>
                   </a:solidFill>
@@ -3915,7 +3924,7 @@
             </a:ln>
             <a:extLst>
               <a:ext uri="{91240B29-F687-4f45-9708-019B960494DF}">
-                <a14:hiddenLine xmlns:a14="http://schemas.microsoft.com/office/drawing/2010/main" xmlns="" w="9525">
+                <a14:hiddenLine xmlns="" xmlns:a14="http://schemas.microsoft.com/office/drawing/2010/main" w="9525">
                   <a:solidFill>
                     <a:srgbClr val="000000"/>
                   </a:solidFill>
@@ -3977,7 +3986,7 @@
             </a:ln>
             <a:extLst>
               <a:ext uri="{91240B29-F687-4f45-9708-019B960494DF}">
-                <a14:hiddenLine xmlns:a14="http://schemas.microsoft.com/office/drawing/2010/main" xmlns="" w="9525">
+                <a14:hiddenLine xmlns="" xmlns:a14="http://schemas.microsoft.com/office/drawing/2010/main" w="9525">
                   <a:solidFill>
                     <a:srgbClr val="000000"/>
                   </a:solidFill>
@@ -4097,7 +4106,7 @@
             </a:ln>
             <a:extLst>
               <a:ext uri="{91240B29-F687-4f45-9708-019B960494DF}">
-                <a14:hiddenLine xmlns:a14="http://schemas.microsoft.com/office/drawing/2010/main" xmlns="" w="9525">
+                <a14:hiddenLine xmlns="" xmlns:a14="http://schemas.microsoft.com/office/drawing/2010/main" w="9525">
                   <a:solidFill>
                     <a:srgbClr val="000000"/>
                   </a:solidFill>
@@ -4165,7 +4174,7 @@
             </a:ln>
             <a:extLst>
               <a:ext uri="{91240B29-F687-4f45-9708-019B960494DF}">
-                <a14:hiddenLine xmlns:a14="http://schemas.microsoft.com/office/drawing/2010/main" xmlns="" w="9525">
+                <a14:hiddenLine xmlns="" xmlns:a14="http://schemas.microsoft.com/office/drawing/2010/main" w="9525">
                   <a:solidFill>
                     <a:srgbClr val="000000"/>
                   </a:solidFill>
@@ -4255,7 +4264,7 @@
             </a:ln>
             <a:extLst>
               <a:ext uri="{91240B29-F687-4f45-9708-019B960494DF}">
-                <a14:hiddenLine xmlns:a14="http://schemas.microsoft.com/office/drawing/2010/main" xmlns="" w="9525">
+                <a14:hiddenLine xmlns="" xmlns:a14="http://schemas.microsoft.com/office/drawing/2010/main" w="9525">
                   <a:solidFill>
                     <a:srgbClr val="000000"/>
                   </a:solidFill>
@@ -4395,7 +4404,7 @@
           <a:p>
             <a:fld id="{DF33EEE3-7E7A-4A24-9FC9-5EFD85074AAB}" type="datetimeFigureOut">
               <a:rPr lang="en-US" smtClean="0"/>
-              <a:t>9/28/2022</a:t>
+              <a:t>11/11/2022</a:t>
             </a:fld>
             <a:endParaRPr lang="en-US"/>
           </a:p>
@@ -4662,7 +4671,7 @@
           <a:p>
             <a:fld id="{DF33EEE3-7E7A-4A24-9FC9-5EFD85074AAB}" type="datetimeFigureOut">
               <a:rPr lang="en-US" smtClean="0"/>
-              <a:t>9/28/2022</a:t>
+              <a:t>11/11/2022</a:t>
             </a:fld>
             <a:endParaRPr lang="en-US"/>
           </a:p>
@@ -4858,7 +4867,7 @@
           <a:p>
             <a:fld id="{DF33EEE3-7E7A-4A24-9FC9-5EFD85074AAB}" type="datetimeFigureOut">
               <a:rPr lang="en-US" smtClean="0"/>
-              <a:t>9/28/2022</a:t>
+              <a:t>11/11/2022</a:t>
             </a:fld>
             <a:endParaRPr lang="en-US"/>
           </a:p>
@@ -5121,7 +5130,7 @@
           <a:p>
             <a:fld id="{DF33EEE3-7E7A-4A24-9FC9-5EFD85074AAB}" type="datetimeFigureOut">
               <a:rPr lang="en-US" smtClean="0"/>
-              <a:t>9/28/2022</a:t>
+              <a:t>11/11/2022</a:t>
             </a:fld>
             <a:endParaRPr lang="en-US"/>
           </a:p>
@@ -5555,7 +5564,7 @@
           <a:p>
             <a:fld id="{DF33EEE3-7E7A-4A24-9FC9-5EFD85074AAB}" type="datetimeFigureOut">
               <a:rPr lang="en-US" smtClean="0"/>
-              <a:t>9/28/2022</a:t>
+              <a:t>11/11/2022</a:t>
             </a:fld>
             <a:endParaRPr lang="en-US"/>
           </a:p>
@@ -6101,7 +6110,7 @@
           <a:p>
             <a:fld id="{DF33EEE3-7E7A-4A24-9FC9-5EFD85074AAB}" type="datetimeFigureOut">
               <a:rPr lang="en-US" smtClean="0"/>
-              <a:t>9/28/2022</a:t>
+              <a:t>11/11/2022</a:t>
             </a:fld>
             <a:endParaRPr lang="en-US"/>
           </a:p>
@@ -6821,7 +6830,7 @@
           <a:p>
             <a:fld id="{DF33EEE3-7E7A-4A24-9FC9-5EFD85074AAB}" type="datetimeFigureOut">
               <a:rPr lang="en-US" smtClean="0"/>
-              <a:t>9/28/2022</a:t>
+              <a:t>11/11/2022</a:t>
             </a:fld>
             <a:endParaRPr lang="en-US"/>
           </a:p>
@@ -6991,7 +7000,7 @@
           <a:p>
             <a:fld id="{DF33EEE3-7E7A-4A24-9FC9-5EFD85074AAB}" type="datetimeFigureOut">
               <a:rPr lang="en-US" smtClean="0"/>
-              <a:t>9/28/2022</a:t>
+              <a:t>11/11/2022</a:t>
             </a:fld>
             <a:endParaRPr lang="en-US"/>
           </a:p>
@@ -7171,7 +7180,7 @@
           <a:p>
             <a:fld id="{DF33EEE3-7E7A-4A24-9FC9-5EFD85074AAB}" type="datetimeFigureOut">
               <a:rPr lang="en-US" smtClean="0"/>
-              <a:t>9/28/2022</a:t>
+              <a:t>11/11/2022</a:t>
             </a:fld>
             <a:endParaRPr lang="en-US"/>
           </a:p>
@@ -7341,7 +7350,7 @@
           <a:p>
             <a:fld id="{DF33EEE3-7E7A-4A24-9FC9-5EFD85074AAB}" type="datetimeFigureOut">
               <a:rPr lang="en-US" smtClean="0"/>
-              <a:t>9/28/2022</a:t>
+              <a:t>11/11/2022</a:t>
             </a:fld>
             <a:endParaRPr lang="en-US"/>
           </a:p>
@@ -7591,7 +7600,7 @@
           <a:p>
             <a:fld id="{DF33EEE3-7E7A-4A24-9FC9-5EFD85074AAB}" type="datetimeFigureOut">
               <a:rPr lang="en-US" smtClean="0"/>
-              <a:t>9/28/2022</a:t>
+              <a:t>11/11/2022</a:t>
             </a:fld>
             <a:endParaRPr lang="en-US"/>
           </a:p>
@@ -7823,7 +7832,7 @@
           <a:p>
             <a:fld id="{DF33EEE3-7E7A-4A24-9FC9-5EFD85074AAB}" type="datetimeFigureOut">
               <a:rPr lang="en-US" smtClean="0"/>
-              <a:t>9/28/2022</a:t>
+              <a:t>11/11/2022</a:t>
             </a:fld>
             <a:endParaRPr lang="en-US"/>
           </a:p>
@@ -8204,7 +8213,7 @@
           <a:p>
             <a:fld id="{DF33EEE3-7E7A-4A24-9FC9-5EFD85074AAB}" type="datetimeFigureOut">
               <a:rPr lang="en-US" smtClean="0"/>
-              <a:t>9/28/2022</a:t>
+              <a:t>11/11/2022</a:t>
             </a:fld>
             <a:endParaRPr lang="en-US"/>
           </a:p>
@@ -8322,7 +8331,7 @@
           <a:p>
             <a:fld id="{DF33EEE3-7E7A-4A24-9FC9-5EFD85074AAB}" type="datetimeFigureOut">
               <a:rPr lang="en-US" smtClean="0"/>
-              <a:t>9/28/2022</a:t>
+              <a:t>11/11/2022</a:t>
             </a:fld>
             <a:endParaRPr lang="en-US"/>
           </a:p>
@@ -8417,7 +8426,7 @@
           <a:p>
             <a:fld id="{DF33EEE3-7E7A-4A24-9FC9-5EFD85074AAB}" type="datetimeFigureOut">
               <a:rPr lang="en-US" smtClean="0"/>
-              <a:t>9/28/2022</a:t>
+              <a:t>11/11/2022</a:t>
             </a:fld>
             <a:endParaRPr lang="en-US"/>
           </a:p>
@@ -8666,7 +8675,7 @@
           <a:p>
             <a:fld id="{DF33EEE3-7E7A-4A24-9FC9-5EFD85074AAB}" type="datetimeFigureOut">
               <a:rPr lang="en-US" smtClean="0"/>
-              <a:t>9/28/2022</a:t>
+              <a:t>11/11/2022</a:t>
             </a:fld>
             <a:endParaRPr lang="en-US"/>
           </a:p>
@@ -8946,7 +8955,7 @@
           <a:p>
             <a:fld id="{DF33EEE3-7E7A-4A24-9FC9-5EFD85074AAB}" type="datetimeFigureOut">
               <a:rPr lang="en-US" smtClean="0"/>
-              <a:t>9/28/2022</a:t>
+              <a:t>11/11/2022</a:t>
             </a:fld>
             <a:endParaRPr lang="en-US"/>
           </a:p>
@@ -9069,7 +9078,7 @@
           <a:noFill/>
           <a:extLst>
             <a:ext uri="{909E8E84-426E-40dd-AFC4-6F175D3DCCD1}">
-              <a14:hiddenFill xmlns:a14="http://schemas.microsoft.com/office/drawing/2010/main" xmlns="">
+              <a14:hiddenFill xmlns="" xmlns:a14="http://schemas.microsoft.com/office/drawing/2010/main">
                 <a:solidFill>
                   <a:srgbClr val="FFFFFF"/>
                 </a:solidFill>
@@ -9143,7 +9152,7 @@
               </a:ln>
               <a:extLst>
                 <a:ext uri="{91240B29-F687-4f45-9708-019B960494DF}">
-                  <a14:hiddenLine xmlns:a14="http://schemas.microsoft.com/office/drawing/2010/main" xmlns="" w="9525">
+                  <a14:hiddenLine xmlns="" xmlns:a14="http://schemas.microsoft.com/office/drawing/2010/main" w="9525">
                     <a:solidFill>
                       <a:srgbClr val="000000"/>
                     </a:solidFill>
@@ -9233,7 +9242,7 @@
               </a:ln>
               <a:extLst>
                 <a:ext uri="{91240B29-F687-4f45-9708-019B960494DF}">
-                  <a14:hiddenLine xmlns:a14="http://schemas.microsoft.com/office/drawing/2010/main" xmlns="" w="9525">
+                  <a14:hiddenLine xmlns="" xmlns:a14="http://schemas.microsoft.com/office/drawing/2010/main" w="9525">
                     <a:solidFill>
                       <a:srgbClr val="000000"/>
                     </a:solidFill>
@@ -9323,7 +9332,7 @@
               </a:ln>
               <a:extLst>
                 <a:ext uri="{91240B29-F687-4f45-9708-019B960494DF}">
-                  <a14:hiddenLine xmlns:a14="http://schemas.microsoft.com/office/drawing/2010/main" xmlns="" w="9525">
+                  <a14:hiddenLine xmlns="" xmlns:a14="http://schemas.microsoft.com/office/drawing/2010/main" w="9525">
                     <a:solidFill>
                       <a:srgbClr val="000000"/>
                     </a:solidFill>
@@ -9385,7 +9394,7 @@
               </a:ln>
               <a:extLst>
                 <a:ext uri="{91240B29-F687-4f45-9708-019B960494DF}">
-                  <a14:hiddenLine xmlns:a14="http://schemas.microsoft.com/office/drawing/2010/main" xmlns="" w="9525">
+                  <a14:hiddenLine xmlns="" xmlns:a14="http://schemas.microsoft.com/office/drawing/2010/main" w="9525">
                     <a:solidFill>
                       <a:srgbClr val="000000"/>
                     </a:solidFill>
@@ -9475,7 +9484,7 @@
               </a:ln>
               <a:extLst>
                 <a:ext uri="{91240B29-F687-4f45-9708-019B960494DF}">
-                  <a14:hiddenLine xmlns:a14="http://schemas.microsoft.com/office/drawing/2010/main" xmlns="" w="9525">
+                  <a14:hiddenLine xmlns="" xmlns:a14="http://schemas.microsoft.com/office/drawing/2010/main" w="9525">
                     <a:solidFill>
                       <a:srgbClr val="000000"/>
                     </a:solidFill>
@@ -9537,7 +9546,7 @@
               </a:ln>
               <a:extLst>
                 <a:ext uri="{91240B29-F687-4f45-9708-019B960494DF}">
-                  <a14:hiddenLine xmlns:a14="http://schemas.microsoft.com/office/drawing/2010/main" xmlns="" w="9525">
+                  <a14:hiddenLine xmlns="" xmlns:a14="http://schemas.microsoft.com/office/drawing/2010/main" w="9525">
                     <a:solidFill>
                       <a:srgbClr val="000000"/>
                     </a:solidFill>
@@ -9599,7 +9608,7 @@
               </a:ln>
               <a:extLst>
                 <a:ext uri="{91240B29-F687-4f45-9708-019B960494DF}">
-                  <a14:hiddenLine xmlns:a14="http://schemas.microsoft.com/office/drawing/2010/main" xmlns="" w="9525">
+                  <a14:hiddenLine xmlns="" xmlns:a14="http://schemas.microsoft.com/office/drawing/2010/main" w="9525">
                     <a:solidFill>
                       <a:srgbClr val="000000"/>
                     </a:solidFill>
@@ -9689,7 +9698,7 @@
               </a:ln>
               <a:extLst>
                 <a:ext uri="{91240B29-F687-4f45-9708-019B960494DF}">
-                  <a14:hiddenLine xmlns:a14="http://schemas.microsoft.com/office/drawing/2010/main" xmlns="" w="9525">
+                  <a14:hiddenLine xmlns="" xmlns:a14="http://schemas.microsoft.com/office/drawing/2010/main" w="9525">
                     <a:solidFill>
                       <a:srgbClr val="000000"/>
                     </a:solidFill>
@@ -9779,7 +9788,7 @@
               </a:ln>
               <a:extLst>
                 <a:ext uri="{91240B29-F687-4f45-9708-019B960494DF}">
-                  <a14:hiddenLine xmlns:a14="http://schemas.microsoft.com/office/drawing/2010/main" xmlns="" w="9525">
+                  <a14:hiddenLine xmlns="" xmlns:a14="http://schemas.microsoft.com/office/drawing/2010/main" w="9525">
                     <a:solidFill>
                       <a:srgbClr val="000000"/>
                     </a:solidFill>
@@ -9841,7 +9850,7 @@
               </a:ln>
               <a:extLst>
                 <a:ext uri="{91240B29-F687-4f45-9708-019B960494DF}">
-                  <a14:hiddenLine xmlns:a14="http://schemas.microsoft.com/office/drawing/2010/main" xmlns="" w="9525">
+                  <a14:hiddenLine xmlns="" xmlns:a14="http://schemas.microsoft.com/office/drawing/2010/main" w="9525">
                     <a:solidFill>
                       <a:srgbClr val="000000"/>
                     </a:solidFill>
@@ -9951,7 +9960,7 @@
               </a:ln>
               <a:extLst>
                 <a:ext uri="{91240B29-F687-4f45-9708-019B960494DF}">
-                  <a14:hiddenLine xmlns:a14="http://schemas.microsoft.com/office/drawing/2010/main" xmlns="" w="9525">
+                  <a14:hiddenLine xmlns="" xmlns:a14="http://schemas.microsoft.com/office/drawing/2010/main" w="9525">
                     <a:solidFill>
                       <a:srgbClr val="000000"/>
                     </a:solidFill>
@@ -10035,7 +10044,7 @@
               </a:ln>
               <a:extLst>
                 <a:ext uri="{91240B29-F687-4f45-9708-019B960494DF}">
-                  <a14:hiddenLine xmlns:a14="http://schemas.microsoft.com/office/drawing/2010/main" xmlns="" w="9525">
+                  <a14:hiddenLine xmlns="" xmlns:a14="http://schemas.microsoft.com/office/drawing/2010/main" w="9525">
                     <a:solidFill>
                       <a:srgbClr val="000000"/>
                     </a:solidFill>
@@ -10097,7 +10106,7 @@
               </a:ln>
               <a:extLst>
                 <a:ext uri="{91240B29-F687-4f45-9708-019B960494DF}">
-                  <a14:hiddenLine xmlns:a14="http://schemas.microsoft.com/office/drawing/2010/main" xmlns="" w="9525">
+                  <a14:hiddenLine xmlns="" xmlns:a14="http://schemas.microsoft.com/office/drawing/2010/main" w="9525">
                     <a:solidFill>
                       <a:srgbClr val="000000"/>
                     </a:solidFill>
@@ -10159,7 +10168,7 @@
               </a:ln>
               <a:extLst>
                 <a:ext uri="{91240B29-F687-4f45-9708-019B960494DF}">
-                  <a14:hiddenLine xmlns:a14="http://schemas.microsoft.com/office/drawing/2010/main" xmlns="" w="9525">
+                  <a14:hiddenLine xmlns="" xmlns:a14="http://schemas.microsoft.com/office/drawing/2010/main" w="9525">
                     <a:solidFill>
                       <a:srgbClr val="000000"/>
                     </a:solidFill>
@@ -10249,7 +10258,7 @@
               </a:ln>
               <a:extLst>
                 <a:ext uri="{91240B29-F687-4f45-9708-019B960494DF}">
-                  <a14:hiddenLine xmlns:a14="http://schemas.microsoft.com/office/drawing/2010/main" xmlns="" w="9525">
+                  <a14:hiddenLine xmlns="" xmlns:a14="http://schemas.microsoft.com/office/drawing/2010/main" w="9525">
                     <a:solidFill>
                       <a:srgbClr val="000000"/>
                     </a:solidFill>
@@ -10283,7 +10292,7 @@
               </a:ln>
               <a:extLst>
                 <a:ext uri="{91240B29-F687-4f45-9708-019B960494DF}">
-                  <a14:hiddenLine xmlns:a14="http://schemas.microsoft.com/office/drawing/2010/main" xmlns="" w="9525">
+                  <a14:hiddenLine xmlns="" xmlns:a14="http://schemas.microsoft.com/office/drawing/2010/main" w="9525">
                     <a:solidFill>
                       <a:srgbClr val="000000"/>
                     </a:solidFill>
@@ -10348,7 +10357,7 @@
               </a:ln>
               <a:extLst>
                 <a:ext uri="{91240B29-F687-4f45-9708-019B960494DF}">
-                  <a14:hiddenLine xmlns:a14="http://schemas.microsoft.com/office/drawing/2010/main" xmlns="" w="9525">
+                  <a14:hiddenLine xmlns="" xmlns:a14="http://schemas.microsoft.com/office/drawing/2010/main" w="9525">
                     <a:solidFill>
                       <a:srgbClr val="000000"/>
                     </a:solidFill>
@@ -10438,7 +10447,7 @@
               </a:ln>
               <a:extLst>
                 <a:ext uri="{91240B29-F687-4f45-9708-019B960494DF}">
-                  <a14:hiddenLine xmlns:a14="http://schemas.microsoft.com/office/drawing/2010/main" xmlns="" w="9525">
+                  <a14:hiddenLine xmlns="" xmlns:a14="http://schemas.microsoft.com/office/drawing/2010/main" w="9525">
                     <a:solidFill>
                       <a:srgbClr val="000000"/>
                     </a:solidFill>
@@ -10500,7 +10509,7 @@
               </a:ln>
               <a:extLst>
                 <a:ext uri="{91240B29-F687-4f45-9708-019B960494DF}">
-                  <a14:hiddenLine xmlns:a14="http://schemas.microsoft.com/office/drawing/2010/main" xmlns="" w="9525">
+                  <a14:hiddenLine xmlns="" xmlns:a14="http://schemas.microsoft.com/office/drawing/2010/main" w="9525">
                     <a:solidFill>
                       <a:srgbClr val="000000"/>
                     </a:solidFill>
@@ -10590,7 +10599,7 @@
               </a:ln>
               <a:extLst>
                 <a:ext uri="{91240B29-F687-4f45-9708-019B960494DF}">
-                  <a14:hiddenLine xmlns:a14="http://schemas.microsoft.com/office/drawing/2010/main" xmlns="" w="9525">
+                  <a14:hiddenLine xmlns="" xmlns:a14="http://schemas.microsoft.com/office/drawing/2010/main" w="9525">
                     <a:solidFill>
                       <a:srgbClr val="000000"/>
                     </a:solidFill>
@@ -10655,7 +10664,7 @@
               </a:ln>
               <a:extLst>
                 <a:ext uri="{91240B29-F687-4f45-9708-019B960494DF}">
-                  <a14:hiddenLine xmlns:a14="http://schemas.microsoft.com/office/drawing/2010/main" xmlns="" w="9525">
+                  <a14:hiddenLine xmlns="" xmlns:a14="http://schemas.microsoft.com/office/drawing/2010/main" w="9525">
                     <a:solidFill>
                       <a:srgbClr val="000000"/>
                     </a:solidFill>
@@ -10717,7 +10726,7 @@
               </a:ln>
               <a:extLst>
                 <a:ext uri="{91240B29-F687-4f45-9708-019B960494DF}">
-                  <a14:hiddenLine xmlns:a14="http://schemas.microsoft.com/office/drawing/2010/main" xmlns="" w="9525">
+                  <a14:hiddenLine xmlns="" xmlns:a14="http://schemas.microsoft.com/office/drawing/2010/main" w="9525">
                     <a:solidFill>
                       <a:srgbClr val="000000"/>
                     </a:solidFill>
@@ -10807,7 +10816,7 @@
               </a:ln>
               <a:extLst>
                 <a:ext uri="{91240B29-F687-4f45-9708-019B960494DF}">
-                  <a14:hiddenLine xmlns:a14="http://schemas.microsoft.com/office/drawing/2010/main" xmlns="" w="9525">
+                  <a14:hiddenLine xmlns="" xmlns:a14="http://schemas.microsoft.com/office/drawing/2010/main" w="9525">
                     <a:solidFill>
                       <a:srgbClr val="000000"/>
                     </a:solidFill>
@@ -10897,7 +10906,7 @@
               </a:ln>
               <a:extLst>
                 <a:ext uri="{91240B29-F687-4f45-9708-019B960494DF}">
-                  <a14:hiddenLine xmlns:a14="http://schemas.microsoft.com/office/drawing/2010/main" xmlns="" w="9525">
+                  <a14:hiddenLine xmlns="" xmlns:a14="http://schemas.microsoft.com/office/drawing/2010/main" w="9525">
                     <a:solidFill>
                       <a:srgbClr val="000000"/>
                     </a:solidFill>
@@ -10962,7 +10971,7 @@
               </a:ln>
               <a:extLst>
                 <a:ext uri="{91240B29-F687-4f45-9708-019B960494DF}">
-                  <a14:hiddenLine xmlns:a14="http://schemas.microsoft.com/office/drawing/2010/main" xmlns="" w="9525">
+                  <a14:hiddenLine xmlns="" xmlns:a14="http://schemas.microsoft.com/office/drawing/2010/main" w="9525">
                     <a:solidFill>
                       <a:srgbClr val="000000"/>
                     </a:solidFill>
@@ -11082,7 +11091,7 @@
               </a:ln>
               <a:extLst>
                 <a:ext uri="{91240B29-F687-4f45-9708-019B960494DF}">
-                  <a14:hiddenLine xmlns:a14="http://schemas.microsoft.com/office/drawing/2010/main" xmlns="" w="9525">
+                  <a14:hiddenLine xmlns="" xmlns:a14="http://schemas.microsoft.com/office/drawing/2010/main" w="9525">
                     <a:solidFill>
                       <a:srgbClr val="000000"/>
                     </a:solidFill>
@@ -11163,7 +11172,7 @@
               </a:ln>
               <a:extLst>
                 <a:ext uri="{91240B29-F687-4f45-9708-019B960494DF}">
-                  <a14:hiddenLine xmlns:a14="http://schemas.microsoft.com/office/drawing/2010/main" xmlns="" w="9525">
+                  <a14:hiddenLine xmlns="" xmlns:a14="http://schemas.microsoft.com/office/drawing/2010/main" w="9525">
                     <a:solidFill>
                       <a:srgbClr val="000000"/>
                     </a:solidFill>
@@ -11278,7 +11287,7 @@
               </a:ln>
               <a:extLst>
                 <a:ext uri="{91240B29-F687-4f45-9708-019B960494DF}">
-                  <a14:hiddenLine xmlns:a14="http://schemas.microsoft.com/office/drawing/2010/main" xmlns="" w="9525">
+                  <a14:hiddenLine xmlns="" xmlns:a14="http://schemas.microsoft.com/office/drawing/2010/main" w="9525">
                     <a:solidFill>
                       <a:srgbClr val="000000"/>
                     </a:solidFill>
@@ -11368,7 +11377,7 @@
               </a:ln>
               <a:extLst>
                 <a:ext uri="{91240B29-F687-4f45-9708-019B960494DF}">
-                  <a14:hiddenLine xmlns:a14="http://schemas.microsoft.com/office/drawing/2010/main" xmlns="" w="9525">
+                  <a14:hiddenLine xmlns="" xmlns:a14="http://schemas.microsoft.com/office/drawing/2010/main" w="9525">
                     <a:solidFill>
                       <a:srgbClr val="000000"/>
                     </a:solidFill>
@@ -11433,7 +11442,7 @@
               </a:ln>
               <a:extLst>
                 <a:ext uri="{91240B29-F687-4f45-9708-019B960494DF}">
-                  <a14:hiddenLine xmlns:a14="http://schemas.microsoft.com/office/drawing/2010/main" xmlns="" w="9525">
+                  <a14:hiddenLine xmlns="" xmlns:a14="http://schemas.microsoft.com/office/drawing/2010/main" w="9525">
                     <a:solidFill>
                       <a:srgbClr val="000000"/>
                     </a:solidFill>
@@ -11523,7 +11532,7 @@
               </a:ln>
               <a:extLst>
                 <a:ext uri="{91240B29-F687-4f45-9708-019B960494DF}">
-                  <a14:hiddenLine xmlns:a14="http://schemas.microsoft.com/office/drawing/2010/main" xmlns="" w="9525">
+                  <a14:hiddenLine xmlns="" xmlns:a14="http://schemas.microsoft.com/office/drawing/2010/main" w="9525">
                     <a:solidFill>
                       <a:srgbClr val="000000"/>
                     </a:solidFill>
@@ -11591,7 +11600,7 @@
               </a:ln>
               <a:extLst>
                 <a:ext uri="{91240B29-F687-4f45-9708-019B960494DF}">
-                  <a14:hiddenLine xmlns:a14="http://schemas.microsoft.com/office/drawing/2010/main" xmlns="" w="9525">
+                  <a14:hiddenLine xmlns="" xmlns:a14="http://schemas.microsoft.com/office/drawing/2010/main" w="9525">
                     <a:solidFill>
                       <a:srgbClr val="000000"/>
                     </a:solidFill>
@@ -11681,7 +11690,7 @@
               </a:ln>
               <a:extLst>
                 <a:ext uri="{91240B29-F687-4f45-9708-019B960494DF}">
-                  <a14:hiddenLine xmlns:a14="http://schemas.microsoft.com/office/drawing/2010/main" xmlns="" w="9525">
+                  <a14:hiddenLine xmlns="" xmlns:a14="http://schemas.microsoft.com/office/drawing/2010/main" w="9525">
                     <a:solidFill>
                       <a:srgbClr val="000000"/>
                     </a:solidFill>
@@ -11749,7 +11758,7 @@
               </a:ln>
               <a:extLst>
                 <a:ext uri="{91240B29-F687-4f45-9708-019B960494DF}">
-                  <a14:hiddenLine xmlns:a14="http://schemas.microsoft.com/office/drawing/2010/main" xmlns="" w="9525">
+                  <a14:hiddenLine xmlns="" xmlns:a14="http://schemas.microsoft.com/office/drawing/2010/main" w="9525">
                     <a:solidFill>
                       <a:srgbClr val="000000"/>
                     </a:solidFill>
@@ -11839,7 +11848,7 @@
               </a:ln>
               <a:extLst>
                 <a:ext uri="{91240B29-F687-4f45-9708-019B960494DF}">
-                  <a14:hiddenLine xmlns:a14="http://schemas.microsoft.com/office/drawing/2010/main" xmlns="" w="9525">
+                  <a14:hiddenLine xmlns="" xmlns:a14="http://schemas.microsoft.com/office/drawing/2010/main" w="9525">
                     <a:solidFill>
                       <a:srgbClr val="000000"/>
                     </a:solidFill>
@@ -11873,7 +11882,7 @@
               </a:ln>
               <a:extLst>
                 <a:ext uri="{91240B29-F687-4f45-9708-019B960494DF}">
-                  <a14:hiddenLine xmlns:a14="http://schemas.microsoft.com/office/drawing/2010/main" xmlns="" w="9525">
+                  <a14:hiddenLine xmlns="" xmlns:a14="http://schemas.microsoft.com/office/drawing/2010/main" w="9525">
                     <a:solidFill>
                       <a:srgbClr val="000000"/>
                     </a:solidFill>
@@ -12013,7 +12022,7 @@
           <a:p>
             <a:fld id="{DF33EEE3-7E7A-4A24-9FC9-5EFD85074AAB}" type="datetimeFigureOut">
               <a:rPr lang="en-US" smtClean="0"/>
-              <a:t>9/28/2022</a:t>
+              <a:t>11/11/2022</a:t>
             </a:fld>
             <a:endParaRPr lang="en-US"/>
           </a:p>
@@ -12519,6 +12528,207 @@
 </p:sld>
 </file>
 
+<file path=ppt/slides/slide10.xml><?xml version="1.0" encoding="utf-8"?>
+<p:sld xmlns:a="http://schemas.openxmlformats.org/drawingml/2006/main" xmlns:r="http://schemas.openxmlformats.org/officeDocument/2006/relationships" xmlns:p="http://schemas.openxmlformats.org/presentationml/2006/main">
+  <p:cSld>
+    <p:spTree>
+      <p:nvGrpSpPr>
+        <p:cNvPr id="1" name=""/>
+        <p:cNvGrpSpPr/>
+        <p:nvPr/>
+      </p:nvGrpSpPr>
+      <p:grpSpPr>
+        <a:xfrm>
+          <a:off x="0" y="0"/>
+          <a:ext cx="0" cy="0"/>
+          <a:chOff x="0" y="0"/>
+          <a:chExt cx="0" cy="0"/>
+        </a:xfrm>
+      </p:grpSpPr>
+      <p:sp>
+        <p:nvSpPr>
+          <p:cNvPr id="2" name="Title 1">
+            <a:extLst>
+              <a:ext uri="{FF2B5EF4-FFF2-40B4-BE49-F238E27FC236}">
+                <a16:creationId xmlns:a16="http://schemas.microsoft.com/office/drawing/2014/main" id="{096B8A7F-8A0B-4F85-A917-D94AAACB71AB}"/>
+              </a:ext>
+            </a:extLst>
+          </p:cNvPr>
+          <p:cNvSpPr>
+            <a:spLocks noGrp="1"/>
+          </p:cNvSpPr>
+          <p:nvPr>
+            <p:ph type="title"/>
+          </p:nvPr>
+        </p:nvSpPr>
+        <p:spPr/>
+        <p:txBody>
+          <a:bodyPr>
+            <a:normAutofit fontScale="90000"/>
+          </a:bodyPr>
+          <a:lstStyle/>
+          <a:p>
+            <a:r>
+              <a:rPr lang="en-US" dirty="0">
+                <a:latin typeface="Times New Roman" panose="02020603050405020304" pitchFamily="18" charset="0"/>
+                <a:cs typeface="Times New Roman" panose="02020603050405020304" pitchFamily="18" charset="0"/>
+              </a:rPr>
+              <a:t>Fan Influence: The English-Speaking Anime and Manga Speech Community's Relationship with the Japanese Language and Gender Roles</a:t>
+            </a:r>
+            <a:br>
+              <a:rPr lang="en-US" dirty="0">
+                <a:latin typeface="Times New Roman" panose="02020603050405020304" pitchFamily="18" charset="0"/>
+                <a:cs typeface="Times New Roman" panose="02020603050405020304" pitchFamily="18" charset="0"/>
+              </a:rPr>
+            </a:br>
+            <a:endParaRPr lang="en-US" dirty="0"/>
+          </a:p>
+        </p:txBody>
+      </p:sp>
+      <p:pic>
+        <p:nvPicPr>
+          <p:cNvPr id="4" name="Content Placeholder 3">
+            <a:extLst>
+              <a:ext uri="{FF2B5EF4-FFF2-40B4-BE49-F238E27FC236}">
+                <a16:creationId xmlns:a16="http://schemas.microsoft.com/office/drawing/2014/main" id="{FC49BDEE-968B-4D1C-8656-FF9F901B467F}"/>
+              </a:ext>
+            </a:extLst>
+          </p:cNvPr>
+          <p:cNvPicPr>
+            <a:picLocks noGrp="1" noChangeAspect="1"/>
+          </p:cNvPicPr>
+          <p:nvPr>
+            <p:ph idx="1"/>
+          </p:nvPr>
+        </p:nvPicPr>
+        <p:blipFill>
+          <a:blip r:embed="rId2"/>
+          <a:stretch>
+            <a:fillRect/>
+          </a:stretch>
+        </p:blipFill>
+        <p:spPr>
+          <a:xfrm>
+            <a:off x="1324780" y="2097088"/>
+            <a:ext cx="6528777" cy="4322909"/>
+          </a:xfrm>
+          <a:prstGeom prst="rect">
+            <a:avLst/>
+          </a:prstGeom>
+        </p:spPr>
+      </p:pic>
+    </p:spTree>
+    <p:extLst>
+      <p:ext uri="{BB962C8B-B14F-4D97-AF65-F5344CB8AC3E}">
+        <p14:creationId xmlns:p14="http://schemas.microsoft.com/office/powerpoint/2010/main" val="3055129316"/>
+      </p:ext>
+    </p:extLst>
+  </p:cSld>
+  <p:clrMapOvr>
+    <a:masterClrMapping/>
+  </p:clrMapOvr>
+</p:sld>
+</file>
+
+<file path=ppt/slides/slide11.xml><?xml version="1.0" encoding="utf-8"?>
+<p:sld xmlns:a="http://schemas.openxmlformats.org/drawingml/2006/main" xmlns:r="http://schemas.openxmlformats.org/officeDocument/2006/relationships" xmlns:p="http://schemas.openxmlformats.org/presentationml/2006/main">
+  <p:cSld>
+    <p:spTree>
+      <p:nvGrpSpPr>
+        <p:cNvPr id="1" name=""/>
+        <p:cNvGrpSpPr/>
+        <p:nvPr/>
+      </p:nvGrpSpPr>
+      <p:grpSpPr>
+        <a:xfrm>
+          <a:off x="0" y="0"/>
+          <a:ext cx="0" cy="0"/>
+          <a:chOff x="0" y="0"/>
+          <a:chExt cx="0" cy="0"/>
+        </a:xfrm>
+      </p:grpSpPr>
+      <p:sp>
+        <p:nvSpPr>
+          <p:cNvPr id="2" name="Title 1">
+            <a:extLst>
+              <a:ext uri="{FF2B5EF4-FFF2-40B4-BE49-F238E27FC236}">
+                <a16:creationId xmlns:a16="http://schemas.microsoft.com/office/drawing/2014/main" id="{A8FC1E3B-9239-4620-B73F-036C217A5BCC}"/>
+              </a:ext>
+            </a:extLst>
+          </p:cNvPr>
+          <p:cNvSpPr>
+            <a:spLocks noGrp="1"/>
+          </p:cNvSpPr>
+          <p:nvPr>
+            <p:ph type="title"/>
+          </p:nvPr>
+        </p:nvSpPr>
+        <p:spPr/>
+        <p:txBody>
+          <a:bodyPr>
+            <a:normAutofit fontScale="90000"/>
+          </a:bodyPr>
+          <a:lstStyle/>
+          <a:p>
+            <a:r>
+              <a:rPr lang="en-US" b="1" dirty="0">
+                <a:latin typeface="Times New Roman" panose="02020603050405020304" pitchFamily="18" charset="0"/>
+                <a:cs typeface="Times New Roman" panose="02020603050405020304" pitchFamily="18" charset="0"/>
+              </a:rPr>
+              <a:t>The Many Faces of Internationalization in Japanese Anime</a:t>
+            </a:r>
+            <a:br>
+              <a:rPr lang="en-US" b="1" dirty="0"/>
+            </a:br>
+            <a:endParaRPr lang="en-US" dirty="0"/>
+          </a:p>
+        </p:txBody>
+      </p:sp>
+      <p:pic>
+        <p:nvPicPr>
+          <p:cNvPr id="4" name="Content Placeholder 3">
+            <a:extLst>
+              <a:ext uri="{FF2B5EF4-FFF2-40B4-BE49-F238E27FC236}">
+                <a16:creationId xmlns:a16="http://schemas.microsoft.com/office/drawing/2014/main" id="{370BD3EF-049E-432B-8F66-B8A6BF2E1803}"/>
+              </a:ext>
+            </a:extLst>
+          </p:cNvPr>
+          <p:cNvPicPr>
+            <a:picLocks noGrp="1" noChangeAspect="1"/>
+          </p:cNvPicPr>
+          <p:nvPr>
+            <p:ph idx="1"/>
+          </p:nvPr>
+        </p:nvPicPr>
+        <p:blipFill>
+          <a:blip r:embed="rId2"/>
+          <a:stretch>
+            <a:fillRect/>
+          </a:stretch>
+        </p:blipFill>
+        <p:spPr>
+          <a:xfrm>
+            <a:off x="1387457" y="2221420"/>
+            <a:ext cx="5435373" cy="4512624"/>
+          </a:xfrm>
+          <a:prstGeom prst="rect">
+            <a:avLst/>
+          </a:prstGeom>
+        </p:spPr>
+      </p:pic>
+    </p:spTree>
+    <p:extLst>
+      <p:ext uri="{BB962C8B-B14F-4D97-AF65-F5344CB8AC3E}">
+        <p14:creationId xmlns:p14="http://schemas.microsoft.com/office/powerpoint/2010/main" val="2991899537"/>
+      </p:ext>
+    </p:extLst>
+  </p:cSld>
+  <p:clrMapOvr>
+    <a:masterClrMapping/>
+  </p:clrMapOvr>
+</p:sld>
+</file>
+
 <file path=ppt/slides/slide2.xml><?xml version="1.0" encoding="utf-8"?>
 <p:sld xmlns:a="http://schemas.openxmlformats.org/drawingml/2006/main" xmlns:r="http://schemas.openxmlformats.org/officeDocument/2006/relationships" xmlns:p="http://schemas.openxmlformats.org/presentationml/2006/main">
   <p:cSld>
@@ -13122,6 +13332,298 @@
     <p:extLst>
       <p:ext uri="{BB962C8B-B14F-4D97-AF65-F5344CB8AC3E}">
         <p14:creationId xmlns:p14="http://schemas.microsoft.com/office/powerpoint/2010/main" val="310997426"/>
+      </p:ext>
+    </p:extLst>
+  </p:cSld>
+  <p:clrMapOvr>
+    <a:masterClrMapping/>
+  </p:clrMapOvr>
+</p:sld>
+</file>
+
+<file path=ppt/slides/slide8.xml><?xml version="1.0" encoding="utf-8"?>
+<p:sld xmlns:a="http://schemas.openxmlformats.org/drawingml/2006/main" xmlns:r="http://schemas.openxmlformats.org/officeDocument/2006/relationships" xmlns:p="http://schemas.openxmlformats.org/presentationml/2006/main">
+  <p:cSld>
+    <p:spTree>
+      <p:nvGrpSpPr>
+        <p:cNvPr id="1" name=""/>
+        <p:cNvGrpSpPr/>
+        <p:nvPr/>
+      </p:nvGrpSpPr>
+      <p:grpSpPr>
+        <a:xfrm>
+          <a:off x="0" y="0"/>
+          <a:ext cx="0" cy="0"/>
+          <a:chOff x="0" y="0"/>
+          <a:chExt cx="0" cy="0"/>
+        </a:xfrm>
+      </p:grpSpPr>
+      <p:sp>
+        <p:nvSpPr>
+          <p:cNvPr id="2" name="Title 1">
+            <a:extLst>
+              <a:ext uri="{FF2B5EF4-FFF2-40B4-BE49-F238E27FC236}">
+                <a16:creationId xmlns:a16="http://schemas.microsoft.com/office/drawing/2014/main" id="{4D440D80-0A80-4587-8C7B-8A492CD583D3}"/>
+              </a:ext>
+            </a:extLst>
+          </p:cNvPr>
+          <p:cNvSpPr>
+            <a:spLocks noGrp="1"/>
+          </p:cNvSpPr>
+          <p:nvPr>
+            <p:ph type="title"/>
+          </p:nvPr>
+        </p:nvSpPr>
+        <p:spPr/>
+        <p:txBody>
+          <a:bodyPr/>
+          <a:lstStyle/>
+          <a:p>
+            <a:r>
+              <a:rPr lang="en-US" dirty="0"/>
+              <a:t>Background</a:t>
+            </a:r>
+          </a:p>
+        </p:txBody>
+      </p:sp>
+      <p:sp>
+        <p:nvSpPr>
+          <p:cNvPr id="3" name="Content Placeholder 2">
+            <a:extLst>
+              <a:ext uri="{FF2B5EF4-FFF2-40B4-BE49-F238E27FC236}">
+                <a16:creationId xmlns:a16="http://schemas.microsoft.com/office/drawing/2014/main" id="{47E19D70-70F5-4A83-AE2F-262919D75A3F}"/>
+              </a:ext>
+            </a:extLst>
+          </p:cNvPr>
+          <p:cNvSpPr>
+            <a:spLocks noGrp="1"/>
+          </p:cNvSpPr>
+          <p:nvPr>
+            <p:ph idx="1"/>
+          </p:nvPr>
+        </p:nvSpPr>
+        <p:spPr/>
+        <p:txBody>
+          <a:bodyPr>
+            <a:normAutofit fontScale="77500" lnSpcReduction="20000"/>
+          </a:bodyPr>
+          <a:lstStyle/>
+          <a:p>
+            <a:pPr marL="0" indent="0">
+              <a:buNone/>
+            </a:pPr>
+            <a:r>
+              <a:rPr lang="en-US" dirty="0"/>
+              <a:t>1) </a:t>
+            </a:r>
+            <a:r>
+              <a:rPr lang="en-US" dirty="0">
+                <a:latin typeface="Times New Roman" panose="02020603050405020304" pitchFamily="18" charset="0"/>
+                <a:cs typeface="Times New Roman" panose="02020603050405020304" pitchFamily="18" charset="0"/>
+              </a:rPr>
+              <a:t>Does anime, idol culture bring depression? Structural analysis and deep learning on subcultural identity and various psychological outcomes </a:t>
+            </a:r>
+          </a:p>
+          <a:p>
+            <a:pPr marL="0" indent="0">
+              <a:buNone/>
+            </a:pPr>
+            <a:r>
+              <a:rPr lang="en-US" dirty="0"/>
+              <a:t>Link: </a:t>
+            </a:r>
+            <a:r>
+              <a:rPr lang="en-US" dirty="0">
+                <a:hlinkClick r:id="rId2"/>
+              </a:rPr>
+              <a:t>https://www.sciencedirect.com/science/article/pii/S2405844022018552</a:t>
+            </a:r>
+            <a:endParaRPr lang="en-US" dirty="0"/>
+          </a:p>
+          <a:p>
+            <a:pPr marL="0" indent="0">
+              <a:buNone/>
+            </a:pPr>
+            <a:r>
+              <a:rPr lang="en-US" dirty="0"/>
+              <a:t>2) </a:t>
+            </a:r>
+            <a:r>
+              <a:rPr lang="en-US" dirty="0">
+                <a:latin typeface="Times New Roman" panose="02020603050405020304" pitchFamily="18" charset="0"/>
+                <a:cs typeface="Times New Roman" panose="02020603050405020304" pitchFamily="18" charset="0"/>
+              </a:rPr>
+              <a:t>Fan Influence: The English-Speaking Anime and Manga Speech Community's Relationship with the Japanese Language and Gender Roles</a:t>
+            </a:r>
+          </a:p>
+          <a:p>
+            <a:pPr marL="0" indent="0">
+              <a:buNone/>
+            </a:pPr>
+            <a:r>
+              <a:rPr lang="en-US" dirty="0"/>
+              <a:t>Link: </a:t>
+            </a:r>
+            <a:r>
+              <a:rPr lang="en-US" dirty="0">
+                <a:hlinkClick r:id="rId3"/>
+              </a:rPr>
+              <a:t>https://www.proquest.com/openview/09411f8b7b3d035fb94879feb90d15cb/1.pdf?pq-origsite=gscholar&amp;cbl=18750&amp;diss=y</a:t>
+            </a:r>
+            <a:r>
+              <a:rPr lang="en-US" dirty="0"/>
+              <a:t> </a:t>
+            </a:r>
+          </a:p>
+          <a:p>
+            <a:pPr marL="0" indent="0">
+              <a:buNone/>
+            </a:pPr>
+            <a:r>
+              <a:rPr lang="en-US" dirty="0"/>
+              <a:t>3) </a:t>
+            </a:r>
+            <a:r>
+              <a:rPr lang="en-US" dirty="0">
+                <a:latin typeface="Times New Roman" panose="02020603050405020304" pitchFamily="18" charset="0"/>
+                <a:cs typeface="Times New Roman" panose="02020603050405020304" pitchFamily="18" charset="0"/>
+              </a:rPr>
+              <a:t>The Many Faces of Internationalization in Japanese Anime</a:t>
+            </a:r>
+          </a:p>
+          <a:p>
+            <a:pPr marL="0" indent="0">
+              <a:buNone/>
+            </a:pPr>
+            <a:r>
+              <a:rPr lang="en-US"/>
+              <a:t>Link: </a:t>
+            </a:r>
+            <a:r>
+              <a:rPr lang="en-US">
+                <a:hlinkClick r:id="rId4"/>
+              </a:rPr>
+              <a:t>https://journals.sagepub.com/doi/pdf/10.1177/1746847708091893?download=true</a:t>
+            </a:r>
+            <a:endParaRPr lang="en-US"/>
+          </a:p>
+          <a:p>
+            <a:pPr marL="0" indent="0">
+              <a:buNone/>
+            </a:pPr>
+            <a:endParaRPr lang="en-US" dirty="0"/>
+          </a:p>
+          <a:p>
+            <a:endParaRPr lang="en-US" dirty="0"/>
+          </a:p>
+        </p:txBody>
+      </p:sp>
+    </p:spTree>
+    <p:extLst>
+      <p:ext uri="{BB962C8B-B14F-4D97-AF65-F5344CB8AC3E}">
+        <p14:creationId xmlns:p14="http://schemas.microsoft.com/office/powerpoint/2010/main" val="2047550392"/>
+      </p:ext>
+    </p:extLst>
+  </p:cSld>
+  <p:clrMapOvr>
+    <a:masterClrMapping/>
+  </p:clrMapOvr>
+</p:sld>
+</file>
+
+<file path=ppt/slides/slide9.xml><?xml version="1.0" encoding="utf-8"?>
+<p:sld xmlns:a="http://schemas.openxmlformats.org/drawingml/2006/main" xmlns:r="http://schemas.openxmlformats.org/officeDocument/2006/relationships" xmlns:p="http://schemas.openxmlformats.org/presentationml/2006/main">
+  <p:cSld>
+    <p:spTree>
+      <p:nvGrpSpPr>
+        <p:cNvPr id="1" name=""/>
+        <p:cNvGrpSpPr/>
+        <p:nvPr/>
+      </p:nvGrpSpPr>
+      <p:grpSpPr>
+        <a:xfrm>
+          <a:off x="0" y="0"/>
+          <a:ext cx="0" cy="0"/>
+          <a:chOff x="0" y="0"/>
+          <a:chExt cx="0" cy="0"/>
+        </a:xfrm>
+      </p:grpSpPr>
+      <p:sp>
+        <p:nvSpPr>
+          <p:cNvPr id="2" name="Title 1">
+            <a:extLst>
+              <a:ext uri="{FF2B5EF4-FFF2-40B4-BE49-F238E27FC236}">
+                <a16:creationId xmlns:a16="http://schemas.microsoft.com/office/drawing/2014/main" id="{6BDB9768-6FEA-4081-B811-591C4CC4FC88}"/>
+              </a:ext>
+            </a:extLst>
+          </p:cNvPr>
+          <p:cNvSpPr>
+            <a:spLocks noGrp="1"/>
+          </p:cNvSpPr>
+          <p:nvPr>
+            <p:ph type="title"/>
+          </p:nvPr>
+        </p:nvSpPr>
+        <p:spPr/>
+        <p:txBody>
+          <a:bodyPr>
+            <a:normAutofit fontScale="90000"/>
+          </a:bodyPr>
+          <a:lstStyle/>
+          <a:p>
+            <a:r>
+              <a:rPr lang="en-US" dirty="0">
+                <a:latin typeface="Times New Roman" panose="02020603050405020304" pitchFamily="18" charset="0"/>
+                <a:cs typeface="Times New Roman" panose="02020603050405020304" pitchFamily="18" charset="0"/>
+              </a:rPr>
+              <a:t>Does anime, idol culture bring depression? Structural analysis and deep learning on subcultural identity and various psychological outcomes </a:t>
+            </a:r>
+            <a:br>
+              <a:rPr lang="en-US" dirty="0">
+                <a:latin typeface="Times New Roman" panose="02020603050405020304" pitchFamily="18" charset="0"/>
+                <a:cs typeface="Times New Roman" panose="02020603050405020304" pitchFamily="18" charset="0"/>
+              </a:rPr>
+            </a:br>
+            <a:endParaRPr lang="en-US" dirty="0"/>
+          </a:p>
+        </p:txBody>
+      </p:sp>
+      <p:pic>
+        <p:nvPicPr>
+          <p:cNvPr id="4" name="Content Placeholder 3">
+            <a:extLst>
+              <a:ext uri="{FF2B5EF4-FFF2-40B4-BE49-F238E27FC236}">
+                <a16:creationId xmlns:a16="http://schemas.microsoft.com/office/drawing/2014/main" id="{7E230811-6F4C-4D08-B162-94787CC61625}"/>
+              </a:ext>
+            </a:extLst>
+          </p:cNvPr>
+          <p:cNvPicPr>
+            <a:picLocks noGrp="1" noChangeAspect="1"/>
+          </p:cNvPicPr>
+          <p:nvPr>
+            <p:ph idx="1"/>
+          </p:nvPr>
+        </p:nvPicPr>
+        <p:blipFill>
+          <a:blip r:embed="rId2"/>
+          <a:stretch>
+            <a:fillRect/>
+          </a:stretch>
+        </p:blipFill>
+        <p:spPr>
+          <a:xfrm>
+            <a:off x="1184124" y="2433187"/>
+            <a:ext cx="9863287" cy="1991626"/>
+          </a:xfrm>
+          <a:prstGeom prst="rect">
+            <a:avLst/>
+          </a:prstGeom>
+        </p:spPr>
+      </p:pic>
+    </p:spTree>
+    <p:extLst>
+      <p:ext uri="{BB962C8B-B14F-4D97-AF65-F5344CB8AC3E}">
+        <p14:creationId xmlns:p14="http://schemas.microsoft.com/office/powerpoint/2010/main" val="2575273979"/>
       </p:ext>
     </p:extLst>
   </p:cSld>
